--- a/Learning Phase/Week 3/Day 4/CSS3/Slides/6. Transforms/css3-m6-transforms-slides.pptx
+++ b/Learning Phase/Week 3/Day 4/CSS3/Slides/6. Transforms/css3-m6-transforms-slides.pptx
@@ -5,21 +5,21 @@
     <p:sldMasterId id="2147483648" r:id="rId1"/>
   </p:sldMasterIdLst>
   <p:notesMasterIdLst>
-    <p:notesMasterId r:id="rId15"/>
+    <p:notesMasterId r:id="rId14"/>
   </p:notesMasterIdLst>
   <p:sldIdLst>
-    <p:sldId id="256" r:id="rId3"/>
-    <p:sldId id="257" r:id="rId4"/>
-    <p:sldId id="258" r:id="rId5"/>
-    <p:sldId id="259" r:id="rId6"/>
-    <p:sldId id="260" r:id="rId7"/>
-    <p:sldId id="261" r:id="rId8"/>
-    <p:sldId id="262" r:id="rId9"/>
-    <p:sldId id="263" r:id="rId10"/>
-    <p:sldId id="264" r:id="rId11"/>
-    <p:sldId id="265" r:id="rId12"/>
-    <p:sldId id="266" r:id="rId13"/>
-    <p:sldId id="267" r:id="rId14"/>
+    <p:sldId id="256" r:id="rId2"/>
+    <p:sldId id="257" r:id="rId3"/>
+    <p:sldId id="258" r:id="rId4"/>
+    <p:sldId id="259" r:id="rId5"/>
+    <p:sldId id="260" r:id="rId6"/>
+    <p:sldId id="261" r:id="rId7"/>
+    <p:sldId id="262" r:id="rId8"/>
+    <p:sldId id="263" r:id="rId9"/>
+    <p:sldId id="264" r:id="rId10"/>
+    <p:sldId id="265" r:id="rId11"/>
+    <p:sldId id="266" r:id="rId12"/>
+    <p:sldId id="267" r:id="rId13"/>
   </p:sldIdLst>
   <p:sldSz cx="9144000" cy="6858000" type="screen4x3"/>
   <p:notesSz cx="9144000" cy="6858000"/>
@@ -118,6 +118,22 @@
       </a:defRPr>
     </a:lvl9pPr>
   </p:defaultTextStyle>
+  <p:extLst>
+    <p:ext uri="{EFAFB233-063F-42B5-8137-9DF3F51BA10A}">
+      <p15:sldGuideLst xmlns:p15="http://schemas.microsoft.com/office/powerpoint/2012/main">
+        <p15:guide id="1" orient="horz" pos="2880">
+          <p15:clr>
+            <a:srgbClr val="A4A3A4"/>
+          </p15:clr>
+        </p15:guide>
+        <p15:guide id="2" pos="2160">
+          <p15:clr>
+            <a:srgbClr val="A4A3A4"/>
+          </p15:clr>
+        </p15:guide>
+      </p15:sldGuideLst>
+    </p:ext>
+  </p:extLst>
 </p:presentation>
 </file>
 
@@ -203,6 +219,7 @@
           <a:p>
             <a:fld id="{88B7A174-8887-4A28-96CC-42CC1E3F39B7}" type="datetimeFigureOut">
               <a:rPr lang="en-US" smtClean="0"/>
+              <a:t>2/5/2024</a:t>
             </a:fld>
             <a:endParaRPr lang="en-US"/>
           </a:p>
@@ -268,42 +285,37 @@
           <a:p>
             <a:pPr lvl="0"/>
             <a:r>
-              <a:rPr lang="en-US" smtClean="0"/>
+              <a:rPr lang="en-US"/>
               <a:t>Click to edit Master text styles</a:t>
             </a:r>
-            <a:endParaRPr lang="en-US" smtClean="0"/>
           </a:p>
           <a:p>
             <a:pPr lvl="1"/>
             <a:r>
-              <a:rPr lang="en-US" smtClean="0"/>
+              <a:rPr lang="en-US"/>
               <a:t>Second level</a:t>
             </a:r>
-            <a:endParaRPr lang="en-US" smtClean="0"/>
           </a:p>
           <a:p>
             <a:pPr lvl="2"/>
             <a:r>
-              <a:rPr lang="en-US" smtClean="0"/>
+              <a:rPr lang="en-US"/>
               <a:t>Third level</a:t>
             </a:r>
-            <a:endParaRPr lang="en-US" smtClean="0"/>
           </a:p>
           <a:p>
             <a:pPr lvl="3"/>
             <a:r>
-              <a:rPr lang="en-US" smtClean="0"/>
+              <a:rPr lang="en-US"/>
               <a:t>Fourth level</a:t>
             </a:r>
-            <a:endParaRPr lang="en-US" smtClean="0"/>
           </a:p>
           <a:p>
             <a:pPr lvl="4"/>
             <a:r>
-              <a:rPr lang="en-US" smtClean="0"/>
+              <a:rPr lang="en-US"/>
               <a:t>Fifth level</a:t>
             </a:r>
-            <a:endParaRPr lang="en-US"/>
           </a:p>
         </p:txBody>
       </p:sp>
@@ -367,6 +379,7 @@
           <a:p>
             <a:fld id="{455492F0-4DB8-4376-920A-A649D492514D}" type="slidenum">
               <a:rPr lang="en-US" smtClean="0"/>
+              <a:t>‹#›</a:t>
             </a:fld>
             <a:endParaRPr lang="en-US"/>
           </a:p>
@@ -521,7 +534,9 @@
               </a:defRPr>
             </a:lvl1pPr>
           </a:lstStyle>
-          <a:p/>
+          <a:p>
+            <a:endParaRPr/>
+          </a:p>
         </p:txBody>
       </p:sp>
       <p:sp>
@@ -552,7 +567,9 @@
               <a:defRPr/>
             </a:lvl1pPr>
           </a:lstStyle>
-          <a:p/>
+          <a:p>
+            <a:endParaRPr/>
+          </a:p>
         </p:txBody>
       </p:sp>
       <p:sp>
@@ -579,7 +596,9 @@
               </a:defRPr>
             </a:lvl1pPr>
           </a:lstStyle>
-          <a:p/>
+          <a:p>
+            <a:endParaRPr/>
+          </a:p>
         </p:txBody>
       </p:sp>
       <p:sp>
@@ -609,6 +628,7 @@
           <a:p>
             <a:fld id="{143F88FD-78BA-4819-B36D-F4E75FBD64F0}" type="datetime1">
               <a:rPr lang="en-US" smtClean="0"/>
+              <a:t>2/5/2024</a:t>
             </a:fld>
             <a:endParaRPr lang="en-US"/>
           </a:p>
@@ -641,6 +661,7 @@
           <a:p>
             <a:fld id="{B6F15528-21DE-4FAA-801E-634DDDAF4B2B}" type="slidenum">
               <a:rPr/>
+              <a:t>‹#›</a:t>
             </a:fld>
             <a:endParaRPr/>
           </a:p>
@@ -695,7 +716,9 @@
               </a:defRPr>
             </a:lvl1pPr>
           </a:lstStyle>
-          <a:p/>
+          <a:p>
+            <a:endParaRPr/>
+          </a:p>
         </p:txBody>
       </p:sp>
       <p:sp>
@@ -722,7 +745,9 @@
               </a:defRPr>
             </a:lvl1pPr>
           </a:lstStyle>
-          <a:p/>
+          <a:p>
+            <a:endParaRPr/>
+          </a:p>
         </p:txBody>
       </p:sp>
       <p:sp>
@@ -749,7 +774,9 @@
               </a:defRPr>
             </a:lvl1pPr>
           </a:lstStyle>
-          <a:p/>
+          <a:p>
+            <a:endParaRPr/>
+          </a:p>
         </p:txBody>
       </p:sp>
       <p:sp>
@@ -779,6 +806,7 @@
           <a:p>
             <a:fld id="{41F264B6-8902-47B7-83A7-F9ACBC4DFCD0}" type="datetime1">
               <a:rPr lang="en-US" smtClean="0"/>
+              <a:t>2/5/2024</a:t>
             </a:fld>
             <a:endParaRPr lang="en-US"/>
           </a:p>
@@ -811,6 +839,7 @@
           <a:p>
             <a:fld id="{B6F15528-21DE-4FAA-801E-634DDDAF4B2B}" type="slidenum">
               <a:rPr/>
+              <a:t>‹#›</a:t>
             </a:fld>
             <a:endParaRPr/>
           </a:p>
@@ -865,7 +894,9 @@
               </a:defRPr>
             </a:lvl1pPr>
           </a:lstStyle>
-          <a:p/>
+          <a:p>
+            <a:endParaRPr/>
+          </a:p>
         </p:txBody>
       </p:sp>
       <p:sp>
@@ -896,7 +927,9 @@
               <a:defRPr/>
             </a:lvl1pPr>
           </a:lstStyle>
-          <a:p/>
+          <a:p>
+            <a:endParaRPr/>
+          </a:p>
         </p:txBody>
       </p:sp>
       <p:sp>
@@ -927,7 +960,9 @@
               <a:defRPr/>
             </a:lvl1pPr>
           </a:lstStyle>
-          <a:p/>
+          <a:p>
+            <a:endParaRPr/>
+          </a:p>
         </p:txBody>
       </p:sp>
       <p:sp>
@@ -954,7 +989,9 @@
               </a:defRPr>
             </a:lvl1pPr>
           </a:lstStyle>
-          <a:p/>
+          <a:p>
+            <a:endParaRPr/>
+          </a:p>
         </p:txBody>
       </p:sp>
       <p:sp>
@@ -984,6 +1021,7 @@
           <a:p>
             <a:fld id="{8A66A45F-3524-46C6-B4EC-F7B30F940A66}" type="datetime1">
               <a:rPr lang="en-US" smtClean="0"/>
+              <a:t>2/5/2024</a:t>
             </a:fld>
             <a:endParaRPr lang="en-US"/>
           </a:p>
@@ -1016,6 +1054,7 @@
           <a:p>
             <a:fld id="{B6F15528-21DE-4FAA-801E-634DDDAF4B2B}" type="slidenum">
               <a:rPr/>
+              <a:t>‹#›</a:t>
             </a:fld>
             <a:endParaRPr/>
           </a:p>
@@ -1070,7 +1109,9 @@
               </a:defRPr>
             </a:lvl1pPr>
           </a:lstStyle>
-          <a:p/>
+          <a:p>
+            <a:endParaRPr/>
+          </a:p>
         </p:txBody>
       </p:sp>
       <p:sp>
@@ -1097,7 +1138,9 @@
               </a:defRPr>
             </a:lvl1pPr>
           </a:lstStyle>
-          <a:p/>
+          <a:p>
+            <a:endParaRPr/>
+          </a:p>
         </p:txBody>
       </p:sp>
       <p:sp>
@@ -1127,6 +1170,7 @@
           <a:p>
             <a:fld id="{38A499AE-52F6-4124-A522-B2BC60722B58}" type="datetime1">
               <a:rPr lang="en-US" smtClean="0"/>
+              <a:t>2/5/2024</a:t>
             </a:fld>
             <a:endParaRPr lang="en-US"/>
           </a:p>
@@ -1159,6 +1203,7 @@
           <a:p>
             <a:fld id="{B6F15528-21DE-4FAA-801E-634DDDAF4B2B}" type="slidenum">
               <a:rPr/>
+              <a:t>‹#›</a:t>
             </a:fld>
             <a:endParaRPr/>
           </a:p>
@@ -1213,7 +1258,9 @@
               </a:defRPr>
             </a:lvl1pPr>
           </a:lstStyle>
-          <a:p/>
+          <a:p>
+            <a:endParaRPr/>
+          </a:p>
         </p:txBody>
       </p:sp>
       <p:sp>
@@ -1243,6 +1290,7 @@
           <a:p>
             <a:fld id="{653FD013-A4E2-4BA9-B440-DD8D18409D12}" type="datetime1">
               <a:rPr lang="en-US" smtClean="0"/>
+              <a:t>2/5/2024</a:t>
             </a:fld>
             <a:endParaRPr lang="en-US"/>
           </a:p>
@@ -1275,6 +1323,7 @@
           <a:p>
             <a:fld id="{B6F15528-21DE-4FAA-801E-634DDDAF4B2B}" type="slidenum">
               <a:rPr/>
+              <a:t>‹#›</a:t>
             </a:fld>
             <a:endParaRPr/>
           </a:p>
@@ -1347,7 +1396,9 @@
               </a:defRPr>
             </a:lvl1pPr>
           </a:lstStyle>
-          <a:p/>
+          <a:p>
+            <a:endParaRPr/>
+          </a:p>
         </p:txBody>
       </p:sp>
       <p:sp>
@@ -1384,7 +1435,9 @@
               </a:defRPr>
             </a:lvl1pPr>
           </a:lstStyle>
-          <a:p/>
+          <a:p>
+            <a:endParaRPr/>
+          </a:p>
         </p:txBody>
       </p:sp>
       <p:sp>
@@ -1421,7 +1474,9 @@
               </a:defRPr>
             </a:lvl1pPr>
           </a:lstStyle>
-          <a:p/>
+          <a:p>
+            <a:endParaRPr/>
+          </a:p>
         </p:txBody>
       </p:sp>
       <p:sp>
@@ -1461,6 +1516,7 @@
           <a:p>
             <a:fld id="{359C6C0E-14E2-4D48-8E18-7AF8301E7916}" type="datetime1">
               <a:rPr lang="en-US" smtClean="0"/>
+              <a:t>2/5/2024</a:t>
             </a:fld>
             <a:endParaRPr lang="en-US"/>
           </a:p>
@@ -1503,6 +1559,7 @@
           <a:p>
             <a:fld id="{B6F15528-21DE-4FAA-801E-634DDDAF4B2B}" type="slidenum">
               <a:rPr/>
+              <a:t>‹#›</a:t>
             </a:fld>
             <a:endParaRPr/>
           </a:p>
@@ -1750,7 +1807,7 @@
           <p:nvPr/>
         </p:nvPicPr>
         <p:blipFill>
-          <a:blip r:embed="rId1"/>
+          <a:blip r:embed="rId2"/>
           <a:srcRect/>
           <a:stretch>
             <a:fillRect/>
@@ -1791,6 +1848,7 @@
           <a:p>
             <a:fld id="{B6F15528-21DE-4FAA-801E-634DDDAF4B2B}" type="slidenum">
               <a:rPr lang="en-US" smtClean="0"/>
+              <a:t>1</a:t>
             </a:fld>
             <a:endParaRPr lang="en-US"/>
           </a:p>
@@ -1858,7 +1916,6 @@
               <a:rPr spc="-5" dirty="0"/>
               <a:t>Translate</a:t>
             </a:r>
-            <a:endParaRPr spc="-5" dirty="0"/>
           </a:p>
         </p:txBody>
       </p:sp>
@@ -1921,7 +1978,9 @@
           <p:txBody>
             <a:bodyPr wrap="square" lIns="0" tIns="0" rIns="0" bIns="0" rtlCol="0"/>
             <a:lstStyle/>
-            <a:p/>
+            <a:p>
+              <a:endParaRPr/>
+            </a:p>
           </p:txBody>
         </p:sp>
         <p:sp>
@@ -1971,7 +2030,9 @@
           <p:txBody>
             <a:bodyPr wrap="square" lIns="0" tIns="0" rIns="0" bIns="0" rtlCol="0"/>
             <a:lstStyle/>
-            <a:p/>
+            <a:p>
+              <a:endParaRPr/>
+            </a:p>
           </p:txBody>
         </p:sp>
       </p:grpSp>
@@ -2152,7 +2213,6 @@
               <a:rPr spc="-110" dirty="0"/>
               <a:t>translate(-­‐3em);</a:t>
             </a:r>
-            <a:endParaRPr spc="-110" dirty="0"/>
           </a:p>
           <a:p>
             <a:pPr>
@@ -2167,7 +2227,6 @@
               <a:rPr dirty="0"/>
               <a:t>}</a:t>
             </a:r>
-            <a:endParaRPr dirty="0"/>
           </a:p>
           <a:p>
             <a:pPr>
@@ -2190,7 +2249,6 @@
               <a:rPr dirty="0"/>
               <a:t>{</a:t>
             </a:r>
-            <a:endParaRPr dirty="0"/>
           </a:p>
           <a:p>
             <a:pPr marL="342265">
@@ -2216,7 +2274,6 @@
               <a:rPr dirty="0"/>
               <a:t>3em);</a:t>
             </a:r>
-            <a:endParaRPr dirty="0"/>
           </a:p>
           <a:p>
             <a:pPr>
@@ -2231,7 +2288,6 @@
               <a:rPr dirty="0"/>
               <a:t>}</a:t>
             </a:r>
-            <a:endParaRPr dirty="0"/>
           </a:p>
           <a:p>
             <a:pPr>
@@ -2254,7 +2310,6 @@
               <a:rPr dirty="0"/>
               <a:t>{</a:t>
             </a:r>
-            <a:endParaRPr dirty="0"/>
           </a:p>
           <a:p>
             <a:pPr marL="342265">
@@ -2276,7 +2331,6 @@
               <a:rPr spc="-105" dirty="0"/>
               <a:t>translateY(-­‐3em);</a:t>
             </a:r>
-            <a:endParaRPr spc="-105" dirty="0"/>
           </a:p>
           <a:p>
             <a:pPr>
@@ -2291,7 +2345,6 @@
               <a:rPr dirty="0"/>
               <a:t>}</a:t>
             </a:r>
-            <a:endParaRPr dirty="0"/>
           </a:p>
         </p:txBody>
       </p:sp>
@@ -2312,6 +2365,7 @@
           <a:p>
             <a:fld id="{B6F15528-21DE-4FAA-801E-634DDDAF4B2B}" type="slidenum">
               <a:rPr lang="en-US" smtClean="0"/>
+              <a:t>10</a:t>
             </a:fld>
             <a:endParaRPr lang="en-US"/>
           </a:p>
@@ -2399,7 +2453,6 @@
               <a:rPr spc="-5" dirty="0"/>
               <a:t>Site</a:t>
             </a:r>
-            <a:endParaRPr spc="-5" dirty="0"/>
           </a:p>
         </p:txBody>
       </p:sp>
@@ -2556,7 +2609,9 @@
         <p:txBody>
           <a:bodyPr wrap="square" lIns="0" tIns="0" rIns="0" bIns="0" rtlCol="0"/>
           <a:lstStyle/>
-          <a:p/>
+          <a:p>
+            <a:endParaRPr/>
+          </a:p>
         </p:txBody>
       </p:sp>
       <p:sp>
@@ -2622,6 +2677,7 @@
           <a:p>
             <a:fld id="{B6F15528-21DE-4FAA-801E-634DDDAF4B2B}" type="slidenum">
               <a:rPr lang="en-US" smtClean="0"/>
+              <a:t>11</a:t>
             </a:fld>
             <a:endParaRPr lang="en-US"/>
           </a:p>
@@ -2685,7 +2741,6 @@
               <a:rPr spc="-5" dirty="0"/>
               <a:t>Summary</a:t>
             </a:r>
-            <a:endParaRPr spc="-5" dirty="0"/>
           </a:p>
         </p:txBody>
       </p:sp>
@@ -2965,6 +3020,7 @@
           <a:p>
             <a:fld id="{B6F15528-21DE-4FAA-801E-634DDDAF4B2B}" type="slidenum">
               <a:rPr lang="en-US" smtClean="0"/>
+              <a:t>12</a:t>
             </a:fld>
             <a:endParaRPr lang="en-US"/>
           </a:p>
@@ -3040,7 +3096,6 @@
               <a:rPr spc="-5" dirty="0"/>
               <a:t>Overview</a:t>
             </a:r>
-            <a:endParaRPr spc="-5" dirty="0"/>
           </a:p>
         </p:txBody>
       </p:sp>
@@ -3218,6 +3273,7 @@
           <a:p>
             <a:fld id="{B6F15528-21DE-4FAA-801E-634DDDAF4B2B}" type="slidenum">
               <a:rPr lang="en-US" smtClean="0"/>
+              <a:t>2</a:t>
             </a:fld>
             <a:endParaRPr lang="en-US"/>
           </a:p>
@@ -3399,6 +3455,7 @@
           <a:p>
             <a:fld id="{B6F15528-21DE-4FAA-801E-634DDDAF4B2B}" type="slidenum">
               <a:rPr lang="en-US" smtClean="0"/>
+              <a:t>3</a:t>
             </a:fld>
             <a:endParaRPr lang="en-US"/>
           </a:p>
@@ -3474,7 +3531,6 @@
               <a:rPr dirty="0"/>
               <a:t>tate</a:t>
             </a:r>
-            <a:endParaRPr dirty="0"/>
           </a:p>
         </p:txBody>
       </p:sp>
@@ -3537,7 +3593,9 @@
           <p:txBody>
             <a:bodyPr wrap="square" lIns="0" tIns="0" rIns="0" bIns="0" rtlCol="0"/>
             <a:lstStyle/>
-            <a:p/>
+            <a:p>
+              <a:endParaRPr/>
+            </a:p>
           </p:txBody>
         </p:sp>
         <p:sp>
@@ -3587,7 +3645,9 @@
           <p:txBody>
             <a:bodyPr wrap="square" lIns="0" tIns="0" rIns="0" bIns="0" rtlCol="0"/>
             <a:lstStyle/>
-            <a:p/>
+            <a:p>
+              <a:endParaRPr/>
+            </a:p>
           </p:txBody>
         </p:sp>
       </p:grpSp>
@@ -3860,6 +3920,7 @@
           <a:p>
             <a:fld id="{B6F15528-21DE-4FAA-801E-634DDDAF4B2B}" type="slidenum">
               <a:rPr lang="en-US" smtClean="0"/>
+              <a:t>4</a:t>
             </a:fld>
             <a:endParaRPr lang="en-US"/>
           </a:p>
@@ -4019,6 +4080,7 @@
           <a:p>
             <a:fld id="{B6F15528-21DE-4FAA-801E-634DDDAF4B2B}" type="slidenum">
               <a:rPr lang="en-US" smtClean="0"/>
+              <a:t>5</a:t>
             </a:fld>
             <a:endParaRPr lang="en-US"/>
           </a:p>
@@ -4086,7 +4148,6 @@
               <a:rPr dirty="0"/>
               <a:t>Skew</a:t>
             </a:r>
-            <a:endParaRPr dirty="0"/>
           </a:p>
         </p:txBody>
       </p:sp>
@@ -4149,7 +4210,9 @@
           <p:txBody>
             <a:bodyPr wrap="square" lIns="0" tIns="0" rIns="0" bIns="0" rtlCol="0"/>
             <a:lstStyle/>
-            <a:p/>
+            <a:p>
+              <a:endParaRPr/>
+            </a:p>
           </p:txBody>
         </p:sp>
         <p:sp>
@@ -4199,7 +4262,9 @@
           <p:txBody>
             <a:bodyPr wrap="square" lIns="0" tIns="0" rIns="0" bIns="0" rtlCol="0"/>
             <a:lstStyle/>
-            <a:p/>
+            <a:p>
+              <a:endParaRPr/>
+            </a:p>
           </p:txBody>
         </p:sp>
       </p:grpSp>
@@ -4567,6 +4632,7 @@
           <a:p>
             <a:fld id="{B6F15528-21DE-4FAA-801E-634DDDAF4B2B}" type="slidenum">
               <a:rPr lang="en-US" smtClean="0"/>
+              <a:t>6</a:t>
             </a:fld>
             <a:endParaRPr lang="en-US"/>
           </a:p>
@@ -4716,6 +4782,7 @@
           <a:p>
             <a:fld id="{B6F15528-21DE-4FAA-801E-634DDDAF4B2B}" type="slidenum">
               <a:rPr lang="en-US" smtClean="0"/>
+              <a:t>7</a:t>
             </a:fld>
             <a:endParaRPr lang="en-US"/>
           </a:p>
@@ -4791,7 +4858,6 @@
               <a:rPr dirty="0"/>
               <a:t>e</a:t>
             </a:r>
-            <a:endParaRPr dirty="0"/>
           </a:p>
         </p:txBody>
       </p:sp>
@@ -4854,7 +4920,9 @@
           <p:txBody>
             <a:bodyPr wrap="square" lIns="0" tIns="0" rIns="0" bIns="0" rtlCol="0"/>
             <a:lstStyle/>
-            <a:p/>
+            <a:p>
+              <a:endParaRPr/>
+            </a:p>
           </p:txBody>
         </p:sp>
         <p:sp>
@@ -4904,7 +4972,9 @@
           <p:txBody>
             <a:bodyPr wrap="square" lIns="0" tIns="0" rIns="0" bIns="0" rtlCol="0"/>
             <a:lstStyle/>
-            <a:p/>
+            <a:p>
+              <a:endParaRPr/>
+            </a:p>
           </p:txBody>
         </p:sp>
       </p:grpSp>
@@ -4959,7 +5029,7 @@
         </p:nvSpPr>
         <p:spPr>
           <a:xfrm>
-            <a:off x="3554095" y="3249930"/>
+            <a:off x="3445968" y="2766623"/>
             <a:ext cx="1826895" cy="2222500"/>
           </a:xfrm>
           <a:prstGeom prst="rect">
@@ -4987,41 +5057,12 @@
               </a:rPr>
               <a:t>scale(2);</a:t>
             </a:r>
-            <a:endParaRPr sz="1800">
-              <a:latin typeface="Consolas" panose="020B0609020204030204"/>
-              <a:cs typeface="Consolas" panose="020B0609020204030204"/>
-            </a:endParaRPr>
           </a:p>
           <a:p>
             <a:pPr>
               <a:lnSpc>
                 <a:spcPct val="100000"/>
               </a:lnSpc>
-            </a:pPr>
-            <a:endParaRPr sz="1800">
-              <a:latin typeface="Consolas" panose="020B0609020204030204"/>
-              <a:cs typeface="Consolas" panose="020B0609020204030204"/>
-            </a:endParaRPr>
-          </a:p>
-          <a:p>
-            <a:pPr>
-              <a:lnSpc>
-                <a:spcPct val="100000"/>
-              </a:lnSpc>
-            </a:pPr>
-            <a:endParaRPr sz="1800">
-              <a:latin typeface="Consolas" panose="020B0609020204030204"/>
-              <a:cs typeface="Consolas" panose="020B0609020204030204"/>
-            </a:endParaRPr>
-          </a:p>
-          <a:p>
-            <a:pPr>
-              <a:lnSpc>
-                <a:spcPct val="100000"/>
-              </a:lnSpc>
-              <a:spcBef>
-                <a:spcPts val="1425"/>
-              </a:spcBef>
             </a:pPr>
             <a:endParaRPr sz="1800" dirty="0">
               <a:latin typeface="Consolas" panose="020B0609020204030204"/>
@@ -5033,9 +5074,6 @@
               <a:lnSpc>
                 <a:spcPct val="100000"/>
               </a:lnSpc>
-              <a:spcBef>
-                <a:spcPts val="1425"/>
-              </a:spcBef>
             </a:pPr>
             <a:endParaRPr sz="1800" dirty="0">
               <a:latin typeface="Consolas" panose="020B0609020204030204"/>
@@ -5051,17 +5089,41 @@
                 <a:spcPts val="1425"/>
               </a:spcBef>
             </a:pPr>
-            <a:r>
-              <a:rPr sz="1800" dirty="0">
-                <a:latin typeface="Consolas" panose="020B0609020204030204"/>
-                <a:cs typeface="Consolas" panose="020B0609020204030204"/>
-              </a:rPr>
-              <a:t>scaleX(0.75);</a:t>
-            </a:r>
-            <a:endParaRPr sz="1800">
+            <a:endParaRPr sz="1800" dirty="0">
               <a:latin typeface="Consolas" panose="020B0609020204030204"/>
               <a:cs typeface="Consolas" panose="020B0609020204030204"/>
             </a:endParaRPr>
+          </a:p>
+          <a:p>
+            <a:pPr>
+              <a:lnSpc>
+                <a:spcPct val="100000"/>
+              </a:lnSpc>
+              <a:spcBef>
+                <a:spcPts val="1425"/>
+              </a:spcBef>
+            </a:pPr>
+            <a:endParaRPr sz="1800" dirty="0">
+              <a:latin typeface="Consolas" panose="020B0609020204030204"/>
+              <a:cs typeface="Consolas" panose="020B0609020204030204"/>
+            </a:endParaRPr>
+          </a:p>
+          <a:p>
+            <a:pPr>
+              <a:lnSpc>
+                <a:spcPct val="100000"/>
+              </a:lnSpc>
+              <a:spcBef>
+                <a:spcPts val="1425"/>
+              </a:spcBef>
+            </a:pPr>
+            <a:r>
+              <a:rPr sz="1800" dirty="0">
+                <a:latin typeface="Consolas" panose="020B0609020204030204"/>
+                <a:cs typeface="Consolas" panose="020B0609020204030204"/>
+              </a:rPr>
+              <a:t>scaleX(0.75);</a:t>
+            </a:r>
           </a:p>
         </p:txBody>
       </p:sp>
@@ -5263,10 +5325,6 @@
               </a:rPr>
               <a:t> </a:t>
             </a:r>
-            <a:endParaRPr sz="1800" spc="-975" dirty="0">
-              <a:latin typeface="Consolas" panose="020B0609020204030204"/>
-              <a:cs typeface="Consolas" panose="020B0609020204030204"/>
-            </a:endParaRPr>
           </a:p>
           <a:p>
             <a:pPr marL="342265" marR="5080" indent="-342900">
@@ -5457,6 +5515,7 @@
           <a:p>
             <a:fld id="{B6F15528-21DE-4FAA-801E-634DDDAF4B2B}" type="slidenum">
               <a:rPr lang="en-US" smtClean="0"/>
+              <a:t>8</a:t>
             </a:fld>
             <a:endParaRPr lang="en-US"/>
           </a:p>
@@ -5604,6 +5663,7 @@
           <a:p>
             <a:fld id="{B6F15528-21DE-4FAA-801E-634DDDAF4B2B}" type="slidenum">
               <a:rPr lang="en-US" smtClean="0"/>
+              <a:t>9</a:t>
             </a:fld>
             <a:endParaRPr lang="en-US"/>
           </a:p>
@@ -5895,6 +5955,8 @@
       </a:bgFillStyleLst>
     </a:fmtScheme>
   </a:themeElements>
+  <a:objectDefaults/>
+  <a:extraClrSchemeLst/>
   <a:extLst>
     <a:ext uri="{05A4C25C-085E-4340-85A3-A5531E510DB2}">
       <thm15:themeFamily xmlns:thm15="http://schemas.microsoft.com/office/thememl/2012/main" name="Office Theme" id="{62F939B6-93AF-4DB8-9C6B-D6C7DFDC589F}" vid="{4A3C46E8-61CC-4603-A589-7422A47A8E4A}"/>
@@ -6181,6 +6243,8 @@
       </a:bgFillStyleLst>
     </a:fmtScheme>
   </a:themeElements>
+  <a:objectDefaults/>
+  <a:extraClrSchemeLst/>
   <a:extLst>
     <a:ext uri="{05A4C25C-085E-4340-85A3-A5531E510DB2}">
       <thm15:themeFamily xmlns:thm15="http://schemas.microsoft.com/office/thememl/2012/main" name="Office Theme" id="{62F939B6-93AF-4DB8-9C6B-D6C7DFDC589F}" vid="{4A3C46E8-61CC-4603-A589-7422A47A8E4A}"/>
